--- a/figures/excamera.pptx
+++ b/figures/excamera.pptx
@@ -5534,7 +5534,7 @@
             <a:pPr algn="ctr"/>
             <a:r>
               <a:rPr lang="en-US" sz="1600" i="1" dirty="0"/>
-              <a:t>fan-out</a:t>
+              <a:t>map</a:t>
             </a:r>
           </a:p>
         </p:txBody>
